--- a/Build 2 Powerpoint.pptx
+++ b/Build 2 Powerpoint.pptx
@@ -7812,10 +7812,33 @@
         </p:nvSpPr>
         <p:spPr/>
         <p:txBody>
-          <a:bodyPr/>
+          <a:bodyPr>
+            <a:normAutofit/>
+          </a:bodyPr>
           <a:lstStyle/>
           <a:p>
-            <a:endParaRPr lang="en-US"/>
+            <a:r>
+              <a:rPr lang="en-US" sz="4000" dirty="0"/>
+              <a:t>Updated UI for Login Page</a:t>
+            </a:r>
+          </a:p>
+          <a:p>
+            <a:r>
+              <a:rPr lang="en-US" sz="4000" dirty="0"/>
+              <a:t>New UI for Splash Page</a:t>
+            </a:r>
+          </a:p>
+          <a:p>
+            <a:r>
+              <a:rPr lang="en-US" sz="4000" dirty="0"/>
+              <a:t>Client/Server Connectivity</a:t>
+            </a:r>
+          </a:p>
+          <a:p>
+            <a:r>
+              <a:rPr lang="en-US" sz="4000" dirty="0"/>
+              <a:t>Error Handling for Login</a:t>
+            </a:r>
           </a:p>
         </p:txBody>
       </p:sp>
@@ -7877,31 +7900,35 @@
           </a:p>
         </p:txBody>
       </p:sp>
-      <p:sp>
-        <p:nvSpPr>
-          <p:cNvPr id="3" name="Content Placeholder 2">
+      <p:pic>
+        <p:nvPicPr>
+          <p:cNvPr id="5" name="Content Placeholder 4">
             <a:extLst>
               <a:ext uri="{FF2B5EF4-FFF2-40B4-BE49-F238E27FC236}">
-                <a16:creationId xmlns:a16="http://schemas.microsoft.com/office/drawing/2014/main" id="{FB312044-A7C1-4F29-B995-D915DCD10CAB}"/>
+                <a16:creationId xmlns:a16="http://schemas.microsoft.com/office/drawing/2014/main" id="{C07047B4-0506-487F-B85C-49795C9953C6}"/>
               </a:ext>
             </a:extLst>
           </p:cNvPr>
-          <p:cNvSpPr>
-            <a:spLocks noGrp="1"/>
-          </p:cNvSpPr>
+          <p:cNvPicPr>
+            <a:picLocks noGrp="1" noChangeAspect="1"/>
+          </p:cNvPicPr>
           <p:nvPr>
             <p:ph idx="1"/>
           </p:nvPr>
-        </p:nvSpPr>
-        <p:spPr/>
-        <p:txBody>
-          <a:bodyPr/>
-          <a:lstStyle/>
-          <a:p>
-            <a:endParaRPr lang="en-US"/>
-          </a:p>
-        </p:txBody>
-      </p:sp>
+        </p:nvPicPr>
+        <p:blipFill>
+          <a:blip r:embed="rId2"/>
+          <a:stretch>
+            <a:fillRect/>
+          </a:stretch>
+        </p:blipFill>
+        <p:spPr>
+          <a:xfrm>
+            <a:off x="1296403" y="2507229"/>
+            <a:ext cx="8383170" cy="3258005"/>
+          </a:xfrm>
+        </p:spPr>
+      </p:pic>
     </p:spTree>
     <p:extLst>
       <p:ext uri="{BB962C8B-B14F-4D97-AF65-F5344CB8AC3E}">
@@ -7954,7 +7981,7 @@
           <a:lstStyle/>
           <a:p>
             <a:r>
-              <a:rPr lang="en-US"/>
+              <a:rPr lang="en-US" dirty="0"/>
               <a:t>User Guide</a:t>
             </a:r>
           </a:p>
